--- a/Экзамен (Сухоруков Роман).pptx
+++ b/Экзамен (Сухоруков Роман).pptx
@@ -19,8 +19,8 @@
     <p:sldId id="265" r:id="rId10"/>
     <p:sldId id="266" r:id="rId11"/>
     <p:sldId id="267" r:id="rId12"/>
-    <p:sldId id="268" r:id="rId13"/>
-    <p:sldId id="269" r:id="rId14"/>
+    <p:sldId id="269" r:id="rId13"/>
+    <p:sldId id="268" r:id="rId14"/>
     <p:sldId id="270" r:id="rId15"/>
     <p:sldId id="272" r:id="rId16"/>
   </p:sldIdLst>
@@ -121,11 +121,172 @@
       </a:defRPr>
     </a:lvl9pPr>
   </p:defaultTextStyle>
+  <p:extLst>
+    <p:ext uri="{EFAFB233-063F-42B5-8137-9DF3F51BA10A}">
+      <p15:sldGuideLst xmlns:p15="http://schemas.microsoft.com/office/powerpoint/2012/main"/>
+    </p:ext>
+  </p:extLst>
 </p:presentation>
 </file>
 
 <file path=ppt/changesInfos/changesInfo1.xml><?xml version="1.0" encoding="utf-8"?>
 <pc:chgInfo xmlns:a="http://schemas.openxmlformats.org/drawingml/2006/main" xmlns:r="http://schemas.openxmlformats.org/officeDocument/2006/relationships" xmlns:ac="http://schemas.microsoft.com/office/drawing/2013/main/command" xmlns:pc="http://schemas.microsoft.com/office/powerpoint/2013/main/command">
+  <pc:docChgLst>
+    <pc:chgData name="Роман Сухоруков" userId="d2acce7253059c23" providerId="LiveId" clId="{29C0C527-6D46-4684-AFFD-F8F9EB4B0789}"/>
+    <pc:docChg chg="undo custSel addSld delSld modSld sldOrd">
+      <pc:chgData name="Роман Сухоруков" userId="d2acce7253059c23" providerId="LiveId" clId="{29C0C527-6D46-4684-AFFD-F8F9EB4B0789}" dt="2024-05-22T05:07:10.452" v="21" actId="22"/>
+      <pc:docMkLst>
+        <pc:docMk/>
+      </pc:docMkLst>
+      <pc:sldChg chg="modSp mod">
+        <pc:chgData name="Роман Сухоруков" userId="d2acce7253059c23" providerId="LiveId" clId="{29C0C527-6D46-4684-AFFD-F8F9EB4B0789}" dt="2024-05-22T05:01:14.931" v="13" actId="2711"/>
+        <pc:sldMkLst>
+          <pc:docMk/>
+          <pc:sldMk cId="665551599" sldId="258"/>
+        </pc:sldMkLst>
+        <pc:spChg chg="mod">
+          <ac:chgData name="Роман Сухоруков" userId="d2acce7253059c23" providerId="LiveId" clId="{29C0C527-6D46-4684-AFFD-F8F9EB4B0789}" dt="2024-05-22T05:01:14.931" v="13" actId="2711"/>
+          <ac:spMkLst>
+            <pc:docMk/>
+            <pc:sldMk cId="665551599" sldId="258"/>
+            <ac:spMk id="5" creationId="{A7FB85AB-3BE6-4A9D-9F4A-51C32E50CD2F}"/>
+          </ac:spMkLst>
+        </pc:spChg>
+      </pc:sldChg>
+      <pc:sldChg chg="addSp delSp modSp mod">
+        <pc:chgData name="Роман Сухоруков" userId="d2acce7253059c23" providerId="LiveId" clId="{29C0C527-6D46-4684-AFFD-F8F9EB4B0789}" dt="2024-05-22T05:00:49.489" v="9" actId="22"/>
+        <pc:sldMkLst>
+          <pc:docMk/>
+          <pc:sldMk cId="3187563822" sldId="267"/>
+        </pc:sldMkLst>
+        <pc:spChg chg="add del mod">
+          <ac:chgData name="Роман Сухоруков" userId="d2acce7253059c23" providerId="LiveId" clId="{29C0C527-6D46-4684-AFFD-F8F9EB4B0789}" dt="2024-05-22T05:00:49.489" v="9" actId="22"/>
+          <ac:spMkLst>
+            <pc:docMk/>
+            <pc:sldMk cId="3187563822" sldId="267"/>
+            <ac:spMk id="4" creationId="{8F3F4274-A635-48C4-A971-A498785E29C1}"/>
+          </ac:spMkLst>
+        </pc:spChg>
+        <pc:picChg chg="add del">
+          <ac:chgData name="Роман Сухоруков" userId="d2acce7253059c23" providerId="LiveId" clId="{29C0C527-6D46-4684-AFFD-F8F9EB4B0789}" dt="2024-05-22T05:00:41.160" v="8" actId="478"/>
+          <ac:picMkLst>
+            <pc:docMk/>
+            <pc:sldMk cId="3187563822" sldId="267"/>
+            <ac:picMk id="7" creationId="{D1DDD442-3E8D-42D3-A7F9-1FF1A92B1C43}"/>
+          </ac:picMkLst>
+        </pc:picChg>
+        <pc:picChg chg="add mod ord">
+          <ac:chgData name="Роман Сухоруков" userId="d2acce7253059c23" providerId="LiveId" clId="{29C0C527-6D46-4684-AFFD-F8F9EB4B0789}" dt="2024-05-22T05:00:49.489" v="9" actId="22"/>
+          <ac:picMkLst>
+            <pc:docMk/>
+            <pc:sldMk cId="3187563822" sldId="267"/>
+            <ac:picMk id="9" creationId="{889E2023-FB79-4559-9843-5787574488A7}"/>
+          </ac:picMkLst>
+        </pc:picChg>
+        <pc:picChg chg="del">
+          <ac:chgData name="Роман Сухоруков" userId="d2acce7253059c23" providerId="LiveId" clId="{29C0C527-6D46-4684-AFFD-F8F9EB4B0789}" dt="2024-05-22T05:00:35.590" v="6" actId="478"/>
+          <ac:picMkLst>
+            <pc:docMk/>
+            <pc:sldMk cId="3187563822" sldId="267"/>
+            <ac:picMk id="10" creationId="{868F44CB-BDBB-4D49-93E9-7DF512A1979E}"/>
+          </ac:picMkLst>
+        </pc:picChg>
+      </pc:sldChg>
+      <pc:sldChg chg="addSp delSp modSp add del mod ord">
+        <pc:chgData name="Роман Сухоруков" userId="d2acce7253059c23" providerId="LiveId" clId="{29C0C527-6D46-4684-AFFD-F8F9EB4B0789}" dt="2024-05-22T05:07:00.855" v="20"/>
+        <pc:sldMkLst>
+          <pc:docMk/>
+          <pc:sldMk cId="2830820396" sldId="268"/>
+        </pc:sldMkLst>
+        <pc:spChg chg="add del mod">
+          <ac:chgData name="Роман Сухоруков" userId="d2acce7253059c23" providerId="LiveId" clId="{29C0C527-6D46-4684-AFFD-F8F9EB4B0789}" dt="2024-05-22T05:06:45.403" v="15" actId="22"/>
+          <ac:spMkLst>
+            <pc:docMk/>
+            <pc:sldMk cId="2830820396" sldId="268"/>
+            <ac:spMk id="4" creationId="{D903A986-DAA3-48E5-ACF0-E425BB4B9681}"/>
+          </ac:spMkLst>
+        </pc:spChg>
+        <pc:picChg chg="del">
+          <ac:chgData name="Роман Сухоруков" userId="d2acce7253059c23" providerId="LiveId" clId="{29C0C527-6D46-4684-AFFD-F8F9EB4B0789}" dt="2024-05-22T05:06:44.208" v="14" actId="478"/>
+          <ac:picMkLst>
+            <pc:docMk/>
+            <pc:sldMk cId="2830820396" sldId="268"/>
+            <ac:picMk id="7" creationId="{84D76BAB-9332-4C67-B4E1-18CC8EECF580}"/>
+          </ac:picMkLst>
+        </pc:picChg>
+        <pc:picChg chg="add mod ord">
+          <ac:chgData name="Роман Сухоруков" userId="d2acce7253059c23" providerId="LiveId" clId="{29C0C527-6D46-4684-AFFD-F8F9EB4B0789}" dt="2024-05-22T05:06:45.403" v="15" actId="22"/>
+          <ac:picMkLst>
+            <pc:docMk/>
+            <pc:sldMk cId="2830820396" sldId="268"/>
+            <ac:picMk id="8" creationId="{CDDF755F-5D6E-4185-A0E0-425983DA134F}"/>
+          </ac:picMkLst>
+        </pc:picChg>
+      </pc:sldChg>
+      <pc:sldChg chg="addSp delSp modSp add del mod">
+        <pc:chgData name="Роман Сухоруков" userId="d2acce7253059c23" providerId="LiveId" clId="{29C0C527-6D46-4684-AFFD-F8F9EB4B0789}" dt="2024-05-22T05:06:54.642" v="17" actId="22"/>
+        <pc:sldMkLst>
+          <pc:docMk/>
+          <pc:sldMk cId="2570230087" sldId="269"/>
+        </pc:sldMkLst>
+        <pc:spChg chg="add del mod">
+          <ac:chgData name="Роман Сухоруков" userId="d2acce7253059c23" providerId="LiveId" clId="{29C0C527-6D46-4684-AFFD-F8F9EB4B0789}" dt="2024-05-22T05:06:54.642" v="17" actId="22"/>
+          <ac:spMkLst>
+            <pc:docMk/>
+            <pc:sldMk cId="2570230087" sldId="269"/>
+            <ac:spMk id="4" creationId="{DC1ED3E5-1FA9-4882-BEE7-2911AA99FB36}"/>
+          </ac:spMkLst>
+        </pc:spChg>
+        <pc:picChg chg="add mod ord">
+          <ac:chgData name="Роман Сухоруков" userId="d2acce7253059c23" providerId="LiveId" clId="{29C0C527-6D46-4684-AFFD-F8F9EB4B0789}" dt="2024-05-22T05:06:54.642" v="17" actId="22"/>
+          <ac:picMkLst>
+            <pc:docMk/>
+            <pc:sldMk cId="2570230087" sldId="269"/>
+            <ac:picMk id="7" creationId="{7D37E5F6-E483-4DC1-B2DA-6DA0DE998BE2}"/>
+          </ac:picMkLst>
+        </pc:picChg>
+        <pc:picChg chg="del">
+          <ac:chgData name="Роман Сухоруков" userId="d2acce7253059c23" providerId="LiveId" clId="{29C0C527-6D46-4684-AFFD-F8F9EB4B0789}" dt="2024-05-22T05:06:53.375" v="16" actId="478"/>
+          <ac:picMkLst>
+            <pc:docMk/>
+            <pc:sldMk cId="2570230087" sldId="269"/>
+            <ac:picMk id="10" creationId="{03D51A5F-8FC8-4BAF-B39E-B47D091E9143}"/>
+          </ac:picMkLst>
+        </pc:picChg>
+      </pc:sldChg>
+      <pc:sldChg chg="addSp delSp modSp add del mod">
+        <pc:chgData name="Роман Сухоруков" userId="d2acce7253059c23" providerId="LiveId" clId="{29C0C527-6D46-4684-AFFD-F8F9EB4B0789}" dt="2024-05-22T05:07:10.452" v="21" actId="22"/>
+        <pc:sldMkLst>
+          <pc:docMk/>
+          <pc:sldMk cId="616405987" sldId="270"/>
+        </pc:sldMkLst>
+        <pc:spChg chg="add del mod">
+          <ac:chgData name="Роман Сухоруков" userId="d2acce7253059c23" providerId="LiveId" clId="{29C0C527-6D46-4684-AFFD-F8F9EB4B0789}" dt="2024-05-22T05:07:10.452" v="21" actId="22"/>
+          <ac:spMkLst>
+            <pc:docMk/>
+            <pc:sldMk cId="616405987" sldId="270"/>
+            <ac:spMk id="4" creationId="{850E6602-D511-4614-90A5-F330B216F24A}"/>
+          </ac:spMkLst>
+        </pc:spChg>
+        <pc:picChg chg="del">
+          <ac:chgData name="Роман Сухоруков" userId="d2acce7253059c23" providerId="LiveId" clId="{29C0C527-6D46-4684-AFFD-F8F9EB4B0789}" dt="2024-05-22T05:06:59.313" v="18" actId="478"/>
+          <ac:picMkLst>
+            <pc:docMk/>
+            <pc:sldMk cId="616405987" sldId="270"/>
+            <ac:picMk id="7" creationId="{8080EC96-6D65-4D19-986A-67858A986B71}"/>
+          </ac:picMkLst>
+        </pc:picChg>
+        <pc:picChg chg="add mod ord">
+          <ac:chgData name="Роман Сухоруков" userId="d2acce7253059c23" providerId="LiveId" clId="{29C0C527-6D46-4684-AFFD-F8F9EB4B0789}" dt="2024-05-22T05:07:10.452" v="21" actId="22"/>
+          <ac:picMkLst>
+            <pc:docMk/>
+            <pc:sldMk cId="616405987" sldId="270"/>
+            <ac:picMk id="8" creationId="{3726A42D-B912-46A5-B2D0-8BF096CB8438}"/>
+          </ac:picMkLst>
+        </pc:picChg>
+      </pc:sldChg>
+    </pc:docChg>
+  </pc:docChgLst>
   <pc:docChgLst>
     <pc:chgData name="Роман Сухоруков" userId="d2acce7253059c23" providerId="LiveId" clId="{6C1DF321-6B18-4A88-8E23-3292A7837540}"/>
     <pc:docChg chg="undo custSel addSld delSld modSld">
@@ -163,13 +324,6 @@
           </ac:spMkLst>
         </pc:spChg>
       </pc:sldChg>
-      <pc:sldChg chg="add del">
-        <pc:chgData name="Роман Сухоруков" userId="d2acce7253059c23" providerId="LiveId" clId="{6C1DF321-6B18-4A88-8E23-3292A7837540}" dt="2024-05-03T17:04:42.236" v="17" actId="2696"/>
-        <pc:sldMkLst>
-          <pc:docMk/>
-          <pc:sldMk cId="0" sldId="258"/>
-        </pc:sldMkLst>
-      </pc:sldChg>
       <pc:sldChg chg="delSp modSp new mod">
         <pc:chgData name="Роман Сухоруков" userId="d2acce7253059c23" providerId="LiveId" clId="{6C1DF321-6B18-4A88-8E23-3292A7837540}" dt="2024-05-03T17:33:21.813" v="327" actId="14100"/>
         <pc:sldMkLst>
@@ -200,6 +354,13 @@
             <ac:spMk id="4" creationId="{04DE0ADD-A439-4F48-8DD0-92727F548400}"/>
           </ac:spMkLst>
         </pc:spChg>
+      </pc:sldChg>
+      <pc:sldChg chg="add del">
+        <pc:chgData name="Роман Сухоруков" userId="d2acce7253059c23" providerId="LiveId" clId="{6C1DF321-6B18-4A88-8E23-3292A7837540}" dt="2024-05-03T17:04:42.236" v="17" actId="2696"/>
+        <pc:sldMkLst>
+          <pc:docMk/>
+          <pc:sldMk cId="665551599" sldId="258"/>
+        </pc:sldMkLst>
       </pc:sldChg>
       <pc:sldChg chg="new del">
         <pc:chgData name="Роман Сухоруков" userId="d2acce7253059c23" providerId="LiveId" clId="{6C1DF321-6B18-4A88-8E23-3292A7837540}" dt="2024-05-03T17:04:47.693" v="19" actId="2696"/>
@@ -781,7 +942,7 @@
           <a:p>
             <a:fld id="{524DB3D6-483A-4486-9D3C-D8D1537F9510}" type="datetimeFigureOut">
               <a:rPr lang="ru-RU" smtClean="0"/>
-              <a:t>03.05.2024</a:t>
+              <a:t>22.05.2024</a:t>
             </a:fld>
             <a:endParaRPr lang="ru-RU"/>
           </a:p>
@@ -1317,7 +1478,7 @@
           <a:p>
             <a:fld id="{F56BC18F-FDEC-4F51-8581-D019B103419F}" type="datetimeFigureOut">
               <a:rPr lang="ru-RU" smtClean="0"/>
-              <a:t>03.05.2024</a:t>
+              <a:t>22.05.2024</a:t>
             </a:fld>
             <a:endParaRPr lang="ru-RU"/>
           </a:p>
@@ -1515,7 +1676,7 @@
           <a:p>
             <a:fld id="{F56BC18F-FDEC-4F51-8581-D019B103419F}" type="datetimeFigureOut">
               <a:rPr lang="ru-RU" smtClean="0"/>
-              <a:t>03.05.2024</a:t>
+              <a:t>22.05.2024</a:t>
             </a:fld>
             <a:endParaRPr lang="ru-RU"/>
           </a:p>
@@ -1723,7 +1884,7 @@
           <a:p>
             <a:fld id="{F56BC18F-FDEC-4F51-8581-D019B103419F}" type="datetimeFigureOut">
               <a:rPr lang="ru-RU" smtClean="0"/>
-              <a:t>03.05.2024</a:t>
+              <a:t>22.05.2024</a:t>
             </a:fld>
             <a:endParaRPr lang="ru-RU"/>
           </a:p>
@@ -1921,7 +2082,7 @@
           <a:p>
             <a:fld id="{F56BC18F-FDEC-4F51-8581-D019B103419F}" type="datetimeFigureOut">
               <a:rPr lang="ru-RU" smtClean="0"/>
-              <a:t>03.05.2024</a:t>
+              <a:t>22.05.2024</a:t>
             </a:fld>
             <a:endParaRPr lang="ru-RU"/>
           </a:p>
@@ -2196,7 +2357,7 @@
           <a:p>
             <a:fld id="{F56BC18F-FDEC-4F51-8581-D019B103419F}" type="datetimeFigureOut">
               <a:rPr lang="ru-RU" smtClean="0"/>
-              <a:t>03.05.2024</a:t>
+              <a:t>22.05.2024</a:t>
             </a:fld>
             <a:endParaRPr lang="ru-RU"/>
           </a:p>
@@ -2461,7 +2622,7 @@
           <a:p>
             <a:fld id="{F56BC18F-FDEC-4F51-8581-D019B103419F}" type="datetimeFigureOut">
               <a:rPr lang="ru-RU" smtClean="0"/>
-              <a:t>03.05.2024</a:t>
+              <a:t>22.05.2024</a:t>
             </a:fld>
             <a:endParaRPr lang="ru-RU"/>
           </a:p>
@@ -2873,7 +3034,7 @@
           <a:p>
             <a:fld id="{F56BC18F-FDEC-4F51-8581-D019B103419F}" type="datetimeFigureOut">
               <a:rPr lang="ru-RU" smtClean="0"/>
-              <a:t>03.05.2024</a:t>
+              <a:t>22.05.2024</a:t>
             </a:fld>
             <a:endParaRPr lang="ru-RU"/>
           </a:p>
@@ -3014,7 +3175,7 @@
           <a:p>
             <a:fld id="{F56BC18F-FDEC-4F51-8581-D019B103419F}" type="datetimeFigureOut">
               <a:rPr lang="ru-RU" smtClean="0"/>
-              <a:t>03.05.2024</a:t>
+              <a:t>22.05.2024</a:t>
             </a:fld>
             <a:endParaRPr lang="ru-RU"/>
           </a:p>
@@ -3127,7 +3288,7 @@
           <a:p>
             <a:fld id="{F56BC18F-FDEC-4F51-8581-D019B103419F}" type="datetimeFigureOut">
               <a:rPr lang="ru-RU" smtClean="0"/>
-              <a:t>03.05.2024</a:t>
+              <a:t>22.05.2024</a:t>
             </a:fld>
             <a:endParaRPr lang="ru-RU"/>
           </a:p>
@@ -3438,7 +3599,7 @@
           <a:p>
             <a:fld id="{F56BC18F-FDEC-4F51-8581-D019B103419F}" type="datetimeFigureOut">
               <a:rPr lang="ru-RU" smtClean="0"/>
-              <a:t>03.05.2024</a:t>
+              <a:t>22.05.2024</a:t>
             </a:fld>
             <a:endParaRPr lang="ru-RU"/>
           </a:p>
@@ -3726,7 +3887,7 @@
           <a:p>
             <a:fld id="{F56BC18F-FDEC-4F51-8581-D019B103419F}" type="datetimeFigureOut">
               <a:rPr lang="ru-RU" smtClean="0"/>
-              <a:t>03.05.2024</a:t>
+              <a:t>22.05.2024</a:t>
             </a:fld>
             <a:endParaRPr lang="ru-RU"/>
           </a:p>
@@ -3967,7 +4128,7 @@
           <a:p>
             <a:fld id="{F56BC18F-FDEC-4F51-8581-D019B103419F}" type="datetimeFigureOut">
               <a:rPr lang="ru-RU" smtClean="0"/>
-              <a:t>03.05.2024</a:t>
+              <a:t>22.05.2024</a:t>
             </a:fld>
             <a:endParaRPr lang="ru-RU"/>
           </a:p>
@@ -5219,12 +5380,41 @@
           </a:p>
         </p:txBody>
       </p:sp>
+      <p:sp>
+        <p:nvSpPr>
+          <p:cNvPr id="6" name="Номер слайда 5">
+            <a:extLst>
+              <a:ext uri="{FF2B5EF4-FFF2-40B4-BE49-F238E27FC236}">
+                <a16:creationId xmlns:a16="http://schemas.microsoft.com/office/drawing/2014/main" id="{DC717BB7-981F-4468-A9A3-765BBEA3B313}"/>
+              </a:ext>
+            </a:extLst>
+          </p:cNvPr>
+          <p:cNvSpPr>
+            <a:spLocks noGrp="1"/>
+          </p:cNvSpPr>
+          <p:nvPr>
+            <p:ph type="sldNum" sz="quarter" idx="12"/>
+          </p:nvPr>
+        </p:nvSpPr>
+        <p:spPr/>
+        <p:txBody>
+          <a:bodyPr/>
+          <a:lstStyle/>
+          <a:p>
+            <a:fld id="{7250BA29-6D16-4771-B2F8-74CA8FA74037}" type="slidenum">
+              <a:rPr lang="ru-RU" smtClean="0"/>
+              <a:t>11</a:t>
+            </a:fld>
+            <a:endParaRPr lang="ru-RU" dirty="0"/>
+          </a:p>
+        </p:txBody>
+      </p:sp>
       <p:pic>
         <p:nvPicPr>
-          <p:cNvPr id="10" name="Объект 9">
-            <a:extLst>
-              <a:ext uri="{FF2B5EF4-FFF2-40B4-BE49-F238E27FC236}">
-                <a16:creationId xmlns:a16="http://schemas.microsoft.com/office/drawing/2014/main" id="{868F44CB-BDBB-4D49-93E9-7DF512A1979E}"/>
+          <p:cNvPr id="9" name="Объект 8">
+            <a:extLst>
+              <a:ext uri="{FF2B5EF4-FFF2-40B4-BE49-F238E27FC236}">
+                <a16:creationId xmlns:a16="http://schemas.microsoft.com/office/drawing/2014/main" id="{889E2023-FB79-4559-9843-5787574488A7}"/>
               </a:ext>
             </a:extLst>
           </p:cNvPr>
@@ -5243,40 +5433,11 @@
         </p:blipFill>
         <p:spPr>
           <a:xfrm>
-            <a:off x="2971364" y="1769813"/>
-            <a:ext cx="6249272" cy="3581900"/>
+            <a:off x="2273503" y="1825625"/>
+            <a:ext cx="7644993" cy="4351338"/>
           </a:xfrm>
         </p:spPr>
       </p:pic>
-      <p:sp>
-        <p:nvSpPr>
-          <p:cNvPr id="6" name="Номер слайда 5">
-            <a:extLst>
-              <a:ext uri="{FF2B5EF4-FFF2-40B4-BE49-F238E27FC236}">
-                <a16:creationId xmlns:a16="http://schemas.microsoft.com/office/drawing/2014/main" id="{DC717BB7-981F-4468-A9A3-765BBEA3B313}"/>
-              </a:ext>
-            </a:extLst>
-          </p:cNvPr>
-          <p:cNvSpPr>
-            <a:spLocks noGrp="1"/>
-          </p:cNvSpPr>
-          <p:nvPr>
-            <p:ph type="sldNum" sz="quarter" idx="12"/>
-          </p:nvPr>
-        </p:nvSpPr>
-        <p:spPr/>
-        <p:txBody>
-          <a:bodyPr/>
-          <a:lstStyle/>
-          <a:p>
-            <a:fld id="{7250BA29-6D16-4771-B2F8-74CA8FA74037}" type="slidenum">
-              <a:rPr lang="ru-RU" smtClean="0"/>
-              <a:t>11</a:t>
-            </a:fld>
-            <a:endParaRPr lang="ru-RU"/>
-          </a:p>
-        </p:txBody>
-      </p:sp>
     </p:spTree>
     <p:extLst>
       <p:ext uri="{BB962C8B-B14F-4D97-AF65-F5344CB8AC3E}">
@@ -5380,7 +5541,7 @@
           <p:cNvPr id="7" name="Объект 6">
             <a:extLst>
               <a:ext uri="{FF2B5EF4-FFF2-40B4-BE49-F238E27FC236}">
-                <a16:creationId xmlns:a16="http://schemas.microsoft.com/office/drawing/2014/main" id="{84D76BAB-9332-4C67-B4E1-18CC8EECF580}"/>
+                <a16:creationId xmlns:a16="http://schemas.microsoft.com/office/drawing/2014/main" id="{7D37E5F6-E483-4DC1-B2DA-6DA0DE998BE2}"/>
               </a:ext>
             </a:extLst>
           </p:cNvPr>
@@ -5399,20 +5560,15 @@
         </p:blipFill>
         <p:spPr>
           <a:xfrm>
-            <a:off x="1398139" y="944563"/>
-            <a:ext cx="9395722" cy="5232400"/>
+            <a:off x="2004634" y="1825625"/>
+            <a:ext cx="8182732" cy="4351338"/>
           </a:xfrm>
-          <a:ln w="19050">
-            <a:solidFill>
-              <a:schemeClr val="tx1"/>
-            </a:solidFill>
-          </a:ln>
         </p:spPr>
       </p:pic>
     </p:spTree>
     <p:extLst>
       <p:ext uri="{BB962C8B-B14F-4D97-AF65-F5344CB8AC3E}">
-        <p14:creationId xmlns:p14="http://schemas.microsoft.com/office/powerpoint/2010/main" val="2830820396"/>
+        <p14:creationId xmlns:p14="http://schemas.microsoft.com/office/powerpoint/2010/main" val="2570230087"/>
       </p:ext>
     </p:extLst>
   </p:cSld>
@@ -5509,10 +5665,10 @@
       </p:sp>
       <p:pic>
         <p:nvPicPr>
-          <p:cNvPr id="10" name="Объект 9">
-            <a:extLst>
-              <a:ext uri="{FF2B5EF4-FFF2-40B4-BE49-F238E27FC236}">
-                <a16:creationId xmlns:a16="http://schemas.microsoft.com/office/drawing/2014/main" id="{03D51A5F-8FC8-4BAF-B39E-B47D091E9143}"/>
+          <p:cNvPr id="8" name="Объект 7">
+            <a:extLst>
+              <a:ext uri="{FF2B5EF4-FFF2-40B4-BE49-F238E27FC236}">
+                <a16:creationId xmlns:a16="http://schemas.microsoft.com/office/drawing/2014/main" id="{CDDF755F-5D6E-4185-A0E0-425983DA134F}"/>
               </a:ext>
             </a:extLst>
           </p:cNvPr>
@@ -5531,20 +5687,15 @@
         </p:blipFill>
         <p:spPr>
           <a:xfrm>
-            <a:off x="838200" y="1065347"/>
-            <a:ext cx="10515600" cy="4990831"/>
+            <a:off x="2004634" y="1825625"/>
+            <a:ext cx="8182732" cy="4351338"/>
           </a:xfrm>
-          <a:ln w="19050">
-            <a:solidFill>
-              <a:schemeClr val="tx1"/>
-            </a:solidFill>
-          </a:ln>
         </p:spPr>
       </p:pic>
     </p:spTree>
     <p:extLst>
       <p:ext uri="{BB962C8B-B14F-4D97-AF65-F5344CB8AC3E}">
-        <p14:creationId xmlns:p14="http://schemas.microsoft.com/office/powerpoint/2010/main" val="2570230087"/>
+        <p14:creationId xmlns:p14="http://schemas.microsoft.com/office/powerpoint/2010/main" val="2830820396"/>
       </p:ext>
     </p:extLst>
   </p:cSld>
@@ -5641,10 +5792,10 @@
       </p:sp>
       <p:pic>
         <p:nvPicPr>
-          <p:cNvPr id="7" name="Объект 6">
-            <a:extLst>
-              <a:ext uri="{FF2B5EF4-FFF2-40B4-BE49-F238E27FC236}">
-                <a16:creationId xmlns:a16="http://schemas.microsoft.com/office/drawing/2014/main" id="{8080EC96-6D65-4D19-986A-67858A986B71}"/>
+          <p:cNvPr id="8" name="Объект 7">
+            <a:extLst>
+              <a:ext uri="{FF2B5EF4-FFF2-40B4-BE49-F238E27FC236}">
+                <a16:creationId xmlns:a16="http://schemas.microsoft.com/office/drawing/2014/main" id="{3726A42D-B912-46A5-B2D0-8BF096CB8438}"/>
               </a:ext>
             </a:extLst>
           </p:cNvPr>
@@ -5663,14 +5814,9 @@
         </p:blipFill>
         <p:spPr>
           <a:xfrm>
-            <a:off x="1742175" y="944563"/>
-            <a:ext cx="8707650" cy="5232400"/>
+            <a:off x="2004634" y="1825625"/>
+            <a:ext cx="8182732" cy="4351338"/>
           </a:xfrm>
-          <a:ln w="19050">
-            <a:solidFill>
-              <a:schemeClr val="tx1"/>
-            </a:solidFill>
-          </a:ln>
         </p:spPr>
       </p:pic>
     </p:spTree>
